--- a/문서자료/02. 문서 작성 첨부자료/발표 첨부자료_구성도, 조직도,HW구성도.pptx
+++ b/문서자료/02. 문서 작성 첨부자료/발표 첨부자료_구성도, 조직도,HW구성도.pptx
@@ -2064,6 +2064,14 @@
         </dgm:presLayoutVars>
       </dgm:prSet>
       <dgm:spPr/>
+      <dgm:t>
+        <a:bodyPr/>
+        <a:lstStyle/>
+        <a:p>
+          <a:pPr latinLnBrk="1"/>
+          <a:endParaRPr lang="ko-KR" altLang="en-US"/>
+        </a:p>
+      </dgm:t>
     </dgm:pt>
     <dgm:pt modelId="{BC82ABC9-7A6B-4710-82AF-12129BBA07FB}" type="pres">
       <dgm:prSet presAssocID="{33D3E1D3-D444-4CD1-B9B7-8606AE4E166C}" presName="root" presStyleCnt="0"/>
@@ -2076,10 +2084,26 @@
     <dgm:pt modelId="{111E402B-DA7E-43EC-AACD-FF9A6F790E72}" type="pres">
       <dgm:prSet presAssocID="{33D3E1D3-D444-4CD1-B9B7-8606AE4E166C}" presName="rootText" presStyleLbl="node1" presStyleIdx="0" presStyleCnt="3"/>
       <dgm:spPr/>
+      <dgm:t>
+        <a:bodyPr/>
+        <a:lstStyle/>
+        <a:p>
+          <a:pPr latinLnBrk="1"/>
+          <a:endParaRPr lang="ko-KR" altLang="en-US"/>
+        </a:p>
+      </dgm:t>
     </dgm:pt>
     <dgm:pt modelId="{91A88619-8315-45B8-9D16-74BE4131EB9B}" type="pres">
       <dgm:prSet presAssocID="{33D3E1D3-D444-4CD1-B9B7-8606AE4E166C}" presName="rootConnector" presStyleLbl="node1" presStyleIdx="0" presStyleCnt="3"/>
       <dgm:spPr/>
+      <dgm:t>
+        <a:bodyPr/>
+        <a:lstStyle/>
+        <a:p>
+          <a:pPr latinLnBrk="1"/>
+          <a:endParaRPr lang="ko-KR" altLang="en-US"/>
+        </a:p>
+      </dgm:t>
     </dgm:pt>
     <dgm:pt modelId="{BFD0EB5D-801A-47AF-B97A-05BE902AF52D}" type="pres">
       <dgm:prSet presAssocID="{33D3E1D3-D444-4CD1-B9B7-8606AE4E166C}" presName="childShape" presStyleCnt="0"/>
@@ -2088,6 +2112,14 @@
     <dgm:pt modelId="{FB8AD5F6-3AAD-4914-877B-F431846DEA4D}" type="pres">
       <dgm:prSet presAssocID="{E090540B-A2EB-40BC-840C-615F05870A13}" presName="Name13" presStyleLbl="parChTrans1D2" presStyleIdx="0" presStyleCnt="7"/>
       <dgm:spPr/>
+      <dgm:t>
+        <a:bodyPr/>
+        <a:lstStyle/>
+        <a:p>
+          <a:pPr latinLnBrk="1"/>
+          <a:endParaRPr lang="ko-KR" altLang="en-US"/>
+        </a:p>
+      </dgm:t>
     </dgm:pt>
     <dgm:pt modelId="{C4733DBE-ADB4-4DD4-A7AB-C88B3083E3FC}" type="pres">
       <dgm:prSet presAssocID="{82EB0166-A59C-4D4F-9521-2193D7DC3DC9}" presName="childText" presStyleLbl="bgAcc1" presStyleIdx="0" presStyleCnt="7">
@@ -2108,6 +2140,14 @@
     <dgm:pt modelId="{B94DEA82-8707-4EAE-B001-918773D3F961}" type="pres">
       <dgm:prSet presAssocID="{8943C20F-96F7-4969-9A95-6247BC0F1442}" presName="Name13" presStyleLbl="parChTrans1D2" presStyleIdx="1" presStyleCnt="7"/>
       <dgm:spPr/>
+      <dgm:t>
+        <a:bodyPr/>
+        <a:lstStyle/>
+        <a:p>
+          <a:pPr latinLnBrk="1"/>
+          <a:endParaRPr lang="ko-KR" altLang="en-US"/>
+        </a:p>
+      </dgm:t>
     </dgm:pt>
     <dgm:pt modelId="{9B2B767C-3B2B-4523-AD50-1FA18915D795}" type="pres">
       <dgm:prSet presAssocID="{8B7081E9-C644-4637-8F63-8A42FE39B830}" presName="childText" presStyleLbl="bgAcc1" presStyleIdx="1" presStyleCnt="7">
@@ -2116,10 +2156,26 @@
         </dgm:presLayoutVars>
       </dgm:prSet>
       <dgm:spPr/>
+      <dgm:t>
+        <a:bodyPr/>
+        <a:lstStyle/>
+        <a:p>
+          <a:pPr latinLnBrk="1"/>
+          <a:endParaRPr lang="ko-KR" altLang="en-US"/>
+        </a:p>
+      </dgm:t>
     </dgm:pt>
     <dgm:pt modelId="{83D5FFFB-98DB-40FA-92AC-694EAE984B1C}" type="pres">
       <dgm:prSet presAssocID="{0758FF84-991F-4412-8272-578E42066F4D}" presName="Name13" presStyleLbl="parChTrans1D2" presStyleIdx="2" presStyleCnt="7"/>
       <dgm:spPr/>
+      <dgm:t>
+        <a:bodyPr/>
+        <a:lstStyle/>
+        <a:p>
+          <a:pPr latinLnBrk="1"/>
+          <a:endParaRPr lang="ko-KR" altLang="en-US"/>
+        </a:p>
+      </dgm:t>
     </dgm:pt>
     <dgm:pt modelId="{52293E8D-9C20-4BA1-BFA5-E50C9176329C}" type="pres">
       <dgm:prSet presAssocID="{EB5C52CB-92CC-4EB2-BB13-9474B233DBF2}" presName="childText" presStyleLbl="bgAcc1" presStyleIdx="2" presStyleCnt="7">
@@ -2140,6 +2196,14 @@
     <dgm:pt modelId="{4E214327-E1BC-4F24-BC87-92C0CB9BC8C0}" type="pres">
       <dgm:prSet presAssocID="{3344505B-9B09-43A8-B7B5-A5833B5FABED}" presName="Name13" presStyleLbl="parChTrans1D2" presStyleIdx="3" presStyleCnt="7"/>
       <dgm:spPr/>
+      <dgm:t>
+        <a:bodyPr/>
+        <a:lstStyle/>
+        <a:p>
+          <a:pPr latinLnBrk="1"/>
+          <a:endParaRPr lang="ko-KR" altLang="en-US"/>
+        </a:p>
+      </dgm:t>
     </dgm:pt>
     <dgm:pt modelId="{418F88D0-7B14-4AB7-95F0-7F12B450C10C}" type="pres">
       <dgm:prSet presAssocID="{5F620231-3A30-49EB-AD2B-1A75ABB87BC7}" presName="childText" presStyleLbl="bgAcc1" presStyleIdx="3" presStyleCnt="7">
@@ -2148,6 +2212,14 @@
         </dgm:presLayoutVars>
       </dgm:prSet>
       <dgm:spPr/>
+      <dgm:t>
+        <a:bodyPr/>
+        <a:lstStyle/>
+        <a:p>
+          <a:pPr latinLnBrk="1"/>
+          <a:endParaRPr lang="ko-KR" altLang="en-US"/>
+        </a:p>
+      </dgm:t>
     </dgm:pt>
     <dgm:pt modelId="{8F022D41-325A-49F6-8AA4-FBC8B60D49D9}" type="pres">
       <dgm:prSet presAssocID="{87FB6C62-3F76-436E-BEAA-E06ED8C6EAA8}" presName="root" presStyleCnt="0"/>
@@ -2172,6 +2244,14 @@
     <dgm:pt modelId="{9DCDE8BD-B00E-4606-9A12-21029320C895}" type="pres">
       <dgm:prSet presAssocID="{87FB6C62-3F76-436E-BEAA-E06ED8C6EAA8}" presName="rootConnector" presStyleLbl="node1" presStyleIdx="1" presStyleCnt="3"/>
       <dgm:spPr/>
+      <dgm:t>
+        <a:bodyPr/>
+        <a:lstStyle/>
+        <a:p>
+          <a:pPr latinLnBrk="1"/>
+          <a:endParaRPr lang="ko-KR" altLang="en-US"/>
+        </a:p>
+      </dgm:t>
     </dgm:pt>
     <dgm:pt modelId="{B8592093-3A0C-417A-85EC-E2E8C2F05575}" type="pres">
       <dgm:prSet presAssocID="{87FB6C62-3F76-436E-BEAA-E06ED8C6EAA8}" presName="childShape" presStyleCnt="0"/>
@@ -2180,6 +2260,14 @@
     <dgm:pt modelId="{767DA6EC-2CDA-4E2C-AA57-D422FE237FF3}" type="pres">
       <dgm:prSet presAssocID="{D53C657A-DFC5-4AFD-968D-0D096E4B8777}" presName="Name13" presStyleLbl="parChTrans1D2" presStyleIdx="4" presStyleCnt="7"/>
       <dgm:spPr/>
+      <dgm:t>
+        <a:bodyPr/>
+        <a:lstStyle/>
+        <a:p>
+          <a:pPr latinLnBrk="1"/>
+          <a:endParaRPr lang="ko-KR" altLang="en-US"/>
+        </a:p>
+      </dgm:t>
     </dgm:pt>
     <dgm:pt modelId="{84486777-1A4C-4718-A81F-FB78D8405EE5}" type="pres">
       <dgm:prSet presAssocID="{F0AF64CB-E4D3-4341-953B-F892BB485F8B}" presName="childText" presStyleLbl="bgAcc1" presStyleIdx="4" presStyleCnt="7">
@@ -2188,6 +2276,14 @@
         </dgm:presLayoutVars>
       </dgm:prSet>
       <dgm:spPr/>
+      <dgm:t>
+        <a:bodyPr/>
+        <a:lstStyle/>
+        <a:p>
+          <a:pPr latinLnBrk="1"/>
+          <a:endParaRPr lang="ko-KR" altLang="en-US"/>
+        </a:p>
+      </dgm:t>
     </dgm:pt>
     <dgm:pt modelId="{0AC05E2F-1937-4B00-9FE8-CD7845C63DF0}" type="pres">
       <dgm:prSet presAssocID="{7A0D5292-F975-4409-A002-5BE38924A9FE}" presName="root" presStyleCnt="0"/>
@@ -2200,10 +2296,26 @@
     <dgm:pt modelId="{B7D7D561-6544-40B6-B154-D545FCEFB03C}" type="pres">
       <dgm:prSet presAssocID="{7A0D5292-F975-4409-A002-5BE38924A9FE}" presName="rootText" presStyleLbl="node1" presStyleIdx="2" presStyleCnt="3"/>
       <dgm:spPr/>
+      <dgm:t>
+        <a:bodyPr/>
+        <a:lstStyle/>
+        <a:p>
+          <a:pPr latinLnBrk="1"/>
+          <a:endParaRPr lang="ko-KR" altLang="en-US"/>
+        </a:p>
+      </dgm:t>
     </dgm:pt>
     <dgm:pt modelId="{2E66863E-307C-450D-85D5-22BE9E60538D}" type="pres">
       <dgm:prSet presAssocID="{7A0D5292-F975-4409-A002-5BE38924A9FE}" presName="rootConnector" presStyleLbl="node1" presStyleIdx="2" presStyleCnt="3"/>
       <dgm:spPr/>
+      <dgm:t>
+        <a:bodyPr/>
+        <a:lstStyle/>
+        <a:p>
+          <a:pPr latinLnBrk="1"/>
+          <a:endParaRPr lang="ko-KR" altLang="en-US"/>
+        </a:p>
+      </dgm:t>
     </dgm:pt>
     <dgm:pt modelId="{90F38C24-3282-4B1F-8A0A-50F060D12744}" type="pres">
       <dgm:prSet presAssocID="{7A0D5292-F975-4409-A002-5BE38924A9FE}" presName="childShape" presStyleCnt="0"/>
@@ -2212,6 +2324,14 @@
     <dgm:pt modelId="{0DA63424-FA92-4B75-8102-D63A8726DB80}" type="pres">
       <dgm:prSet presAssocID="{1313C70D-63C3-4D9E-B8D6-76FB38D80A5A}" presName="Name13" presStyleLbl="parChTrans1D2" presStyleIdx="5" presStyleCnt="7"/>
       <dgm:spPr/>
+      <dgm:t>
+        <a:bodyPr/>
+        <a:lstStyle/>
+        <a:p>
+          <a:pPr latinLnBrk="1"/>
+          <a:endParaRPr lang="ko-KR" altLang="en-US"/>
+        </a:p>
+      </dgm:t>
     </dgm:pt>
     <dgm:pt modelId="{69848318-2200-4680-8629-17E0B57275ED}" type="pres">
       <dgm:prSet presAssocID="{F6010C42-0B53-4660-8928-51F0026430D1}" presName="childText" presStyleLbl="bgAcc1" presStyleIdx="5" presStyleCnt="7">
@@ -2220,10 +2340,26 @@
         </dgm:presLayoutVars>
       </dgm:prSet>
       <dgm:spPr/>
+      <dgm:t>
+        <a:bodyPr/>
+        <a:lstStyle/>
+        <a:p>
+          <a:pPr latinLnBrk="1"/>
+          <a:endParaRPr lang="ko-KR" altLang="en-US"/>
+        </a:p>
+      </dgm:t>
     </dgm:pt>
     <dgm:pt modelId="{B2C1D00A-CEE0-4264-82F5-49F5BF24D601}" type="pres">
       <dgm:prSet presAssocID="{CC5BDAB2-5F2F-45CA-AC10-7349CCB29105}" presName="Name13" presStyleLbl="parChTrans1D2" presStyleIdx="6" presStyleCnt="7"/>
       <dgm:spPr/>
+      <dgm:t>
+        <a:bodyPr/>
+        <a:lstStyle/>
+        <a:p>
+          <a:pPr latinLnBrk="1"/>
+          <a:endParaRPr lang="ko-KR" altLang="en-US"/>
+        </a:p>
+      </dgm:t>
     </dgm:pt>
     <dgm:pt modelId="{8A27CEE2-64FF-4AE7-851B-8C4287278C1A}" type="pres">
       <dgm:prSet presAssocID="{B64121BE-2F3C-4693-9233-F0278425D880}" presName="childText" presStyleLbl="bgAcc1" presStyleIdx="6" presStyleCnt="7">
@@ -2232,6 +2368,14 @@
         </dgm:presLayoutVars>
       </dgm:prSet>
       <dgm:spPr/>
+      <dgm:t>
+        <a:bodyPr/>
+        <a:lstStyle/>
+        <a:p>
+          <a:pPr latinLnBrk="1"/>
+          <a:endParaRPr lang="ko-KR" altLang="en-US"/>
+        </a:p>
+      </dgm:t>
     </dgm:pt>
   </dgm:ptLst>
   <dgm:cxnLst>
@@ -2246,8 +2390,8 @@
     <dgm:cxn modelId="{B6DAF7A8-5DB5-4617-A3AF-B0B7040FABEE}" type="presOf" srcId="{B64121BE-2F3C-4693-9233-F0278425D880}" destId="{8A27CEE2-64FF-4AE7-851B-8C4287278C1A}" srcOrd="0" destOrd="0" presId="urn:microsoft.com/office/officeart/2005/8/layout/hierarchy3"/>
     <dgm:cxn modelId="{A47A8EC9-CE0A-459D-91C0-D72F3CA75FD4}" type="presOf" srcId="{F0AF64CB-E4D3-4341-953B-F892BB485F8B}" destId="{84486777-1A4C-4718-A81F-FB78D8405EE5}" srcOrd="0" destOrd="0" presId="urn:microsoft.com/office/officeart/2005/8/layout/hierarchy3"/>
     <dgm:cxn modelId="{508CE24F-315C-496E-8B66-B5647FAAE935}" type="presOf" srcId="{3344505B-9B09-43A8-B7B5-A5833B5FABED}" destId="{4E214327-E1BC-4F24-BC87-92C0CB9BC8C0}" srcOrd="0" destOrd="0" presId="urn:microsoft.com/office/officeart/2005/8/layout/hierarchy3"/>
+    <dgm:cxn modelId="{03BDDE12-0170-4233-B314-15C1AAD99BC0}" type="presOf" srcId="{CC5BDAB2-5F2F-45CA-AC10-7349CCB29105}" destId="{B2C1D00A-CEE0-4264-82F5-49F5BF24D601}" srcOrd="0" destOrd="0" presId="urn:microsoft.com/office/officeart/2005/8/layout/hierarchy3"/>
     <dgm:cxn modelId="{091998C9-FF98-4CA8-8CCB-303C923F39AB}" type="presOf" srcId="{87FB6C62-3F76-436E-BEAA-E06ED8C6EAA8}" destId="{F141F9E1-BC55-478C-A41D-73352A7B932C}" srcOrd="0" destOrd="0" presId="urn:microsoft.com/office/officeart/2005/8/layout/hierarchy3"/>
-    <dgm:cxn modelId="{03BDDE12-0170-4233-B314-15C1AAD99BC0}" type="presOf" srcId="{CC5BDAB2-5F2F-45CA-AC10-7349CCB29105}" destId="{B2C1D00A-CEE0-4264-82F5-49F5BF24D601}" srcOrd="0" destOrd="0" presId="urn:microsoft.com/office/officeart/2005/8/layout/hierarchy3"/>
     <dgm:cxn modelId="{40A47966-0142-4B5E-A735-5846BE20050B}" type="presOf" srcId="{8B7081E9-C644-4637-8F63-8A42FE39B830}" destId="{9B2B767C-3B2B-4523-AD50-1FA18915D795}" srcOrd="0" destOrd="0" presId="urn:microsoft.com/office/officeart/2005/8/layout/hierarchy3"/>
     <dgm:cxn modelId="{F80CC08D-6CD3-4A17-994D-B1EC547A96B2}" srcId="{33D3E1D3-D444-4CD1-B9B7-8606AE4E166C}" destId="{8B7081E9-C644-4637-8F63-8A42FE39B830}" srcOrd="1" destOrd="0" parTransId="{8943C20F-96F7-4969-9A95-6247BC0F1442}" sibTransId="{A2C2B09C-977A-44BC-91AD-1422B44885AD}"/>
     <dgm:cxn modelId="{E7E10F8A-4604-4424-8C62-78412D310C47}" srcId="{33D3E1D3-D444-4CD1-B9B7-8606AE4E166C}" destId="{82EB0166-A59C-4D4F-9521-2193D7DC3DC9}" srcOrd="0" destOrd="0" parTransId="{E090540B-A2EB-40BC-840C-615F05870A13}" sibTransId="{BAF58AD6-AEB5-40E8-9BEE-253453A68F12}"/>
@@ -2261,8 +2405,8 @@
     <dgm:cxn modelId="{295886A1-1A0B-4519-A666-502C52338496}" type="presOf" srcId="{5F620231-3A30-49EB-AD2B-1A75ABB87BC7}" destId="{418F88D0-7B14-4AB7-95F0-7F12B450C10C}" srcOrd="0" destOrd="0" presId="urn:microsoft.com/office/officeart/2005/8/layout/hierarchy3"/>
     <dgm:cxn modelId="{2BB68455-61A4-4015-81F6-F703B38A9F98}" type="presOf" srcId="{EB5C52CB-92CC-4EB2-BB13-9474B233DBF2}" destId="{52293E8D-9C20-4BA1-BFA5-E50C9176329C}" srcOrd="0" destOrd="0" presId="urn:microsoft.com/office/officeart/2005/8/layout/hierarchy3"/>
     <dgm:cxn modelId="{7907F4C7-973E-48C1-95AE-946E329A3081}" srcId="{A4A023B5-45BD-4A51-A7EA-D43DF7D91837}" destId="{33D3E1D3-D444-4CD1-B9B7-8606AE4E166C}" srcOrd="0" destOrd="0" parTransId="{78941597-9A8D-489E-992F-74F5532EA976}" sibTransId="{20C5FB2F-19F3-4027-BAB7-5AFE66543F13}"/>
+    <dgm:cxn modelId="{370379F0-8778-4E1B-98BF-F86F26172A6A}" srcId="{7A0D5292-F975-4409-A002-5BE38924A9FE}" destId="{F6010C42-0B53-4660-8928-51F0026430D1}" srcOrd="0" destOrd="0" parTransId="{1313C70D-63C3-4D9E-B8D6-76FB38D80A5A}" sibTransId="{48FAB0F6-6672-4102-AF24-94E09757FFA9}"/>
     <dgm:cxn modelId="{DE744A76-FFD8-4D81-A9E7-C42E357C08A4}" type="presOf" srcId="{33D3E1D3-D444-4CD1-B9B7-8606AE4E166C}" destId="{91A88619-8315-45B8-9D16-74BE4131EB9B}" srcOrd="1" destOrd="0" presId="urn:microsoft.com/office/officeart/2005/8/layout/hierarchy3"/>
-    <dgm:cxn modelId="{370379F0-8778-4E1B-98BF-F86F26172A6A}" srcId="{7A0D5292-F975-4409-A002-5BE38924A9FE}" destId="{F6010C42-0B53-4660-8928-51F0026430D1}" srcOrd="0" destOrd="0" parTransId="{1313C70D-63C3-4D9E-B8D6-76FB38D80A5A}" sibTransId="{48FAB0F6-6672-4102-AF24-94E09757FFA9}"/>
     <dgm:cxn modelId="{0637090F-484E-4C9E-B78C-0D993762700A}" srcId="{A4A023B5-45BD-4A51-A7EA-D43DF7D91837}" destId="{87FB6C62-3F76-436E-BEAA-E06ED8C6EAA8}" srcOrd="1" destOrd="0" parTransId="{B4D43625-8D13-456E-B4CD-071BAF9C5904}" sibTransId="{34FEB4B4-EEA3-4062-BCCB-07CFD571267A}"/>
     <dgm:cxn modelId="{FB669E0E-987E-4E8C-BA4E-D08CB29B8403}" srcId="{33D3E1D3-D444-4CD1-B9B7-8606AE4E166C}" destId="{5F620231-3A30-49EB-AD2B-1A75ABB87BC7}" srcOrd="3" destOrd="0" parTransId="{3344505B-9B09-43A8-B7B5-A5833B5FABED}" sibTransId="{0A779134-F4FE-4188-AFE0-8800C74F465F}"/>
     <dgm:cxn modelId="{688C3668-8100-4498-BAE6-13F8848F891A}" type="presOf" srcId="{82EB0166-A59C-4D4F-9521-2193D7DC3DC9}" destId="{C4733DBE-ADB4-4DD4-A7AB-C88B3083E3FC}" srcOrd="0" destOrd="0" presId="urn:microsoft.com/office/officeart/2005/8/layout/hierarchy3"/>
@@ -2809,6 +2953,14 @@
         </dgm:presLayoutVars>
       </dgm:prSet>
       <dgm:spPr/>
+      <dgm:t>
+        <a:bodyPr/>
+        <a:lstStyle/>
+        <a:p>
+          <a:pPr latinLnBrk="1"/>
+          <a:endParaRPr lang="ko-KR" altLang="en-US"/>
+        </a:p>
+      </dgm:t>
     </dgm:pt>
     <dgm:pt modelId="{99E446B0-8C3E-43BA-99F3-955F6FFB0995}" type="pres">
       <dgm:prSet presAssocID="{87FB6C62-3F76-436E-BEAA-E06ED8C6EAA8}" presName="node" presStyleLbl="node1" presStyleIdx="0" presStyleCnt="3" custScaleX="81632" custScaleY="161971" custRadScaleRad="77290" custRadScaleInc="-8616">
@@ -2829,10 +2981,26 @@
     <dgm:pt modelId="{58B953DD-4F00-4893-8082-F88306B20FF3}" type="pres">
       <dgm:prSet presAssocID="{34FEB4B4-EEA3-4062-BCCB-07CFD571267A}" presName="sibTrans" presStyleLbl="sibTrans2D1" presStyleIdx="0" presStyleCnt="3"/>
       <dgm:spPr/>
+      <dgm:t>
+        <a:bodyPr/>
+        <a:lstStyle/>
+        <a:p>
+          <a:pPr latinLnBrk="1"/>
+          <a:endParaRPr lang="ko-KR" altLang="en-US"/>
+        </a:p>
+      </dgm:t>
     </dgm:pt>
     <dgm:pt modelId="{415303C9-109B-4B70-B9D3-0FB172FBC08A}" type="pres">
       <dgm:prSet presAssocID="{34FEB4B4-EEA3-4062-BCCB-07CFD571267A}" presName="connectorText" presStyleLbl="sibTrans2D1" presStyleIdx="0" presStyleCnt="3"/>
       <dgm:spPr/>
+      <dgm:t>
+        <a:bodyPr/>
+        <a:lstStyle/>
+        <a:p>
+          <a:pPr latinLnBrk="1"/>
+          <a:endParaRPr lang="ko-KR" altLang="en-US"/>
+        </a:p>
+      </dgm:t>
     </dgm:pt>
     <dgm:pt modelId="{591CB5DE-E65C-44BC-B942-189A86F4B4EA}" type="pres">
       <dgm:prSet presAssocID="{7A0D5292-F975-4409-A002-5BE38924A9FE}" presName="node" presStyleLbl="node1" presStyleIdx="1" presStyleCnt="3" custScaleX="77934" custScaleY="123689" custRadScaleRad="98605" custRadScaleInc="-9133">
@@ -2853,10 +3021,26 @@
     <dgm:pt modelId="{C1352968-1869-462A-B37D-5F46AC2B0106}" type="pres">
       <dgm:prSet presAssocID="{210E8A8A-0F49-41B7-99CD-2BE913E6113F}" presName="sibTrans" presStyleLbl="sibTrans2D1" presStyleIdx="1" presStyleCnt="3"/>
       <dgm:spPr/>
+      <dgm:t>
+        <a:bodyPr/>
+        <a:lstStyle/>
+        <a:p>
+          <a:pPr latinLnBrk="1"/>
+          <a:endParaRPr lang="ko-KR" altLang="en-US"/>
+        </a:p>
+      </dgm:t>
     </dgm:pt>
     <dgm:pt modelId="{B8FB7145-5D68-4CA1-B648-FA330AECD35D}" type="pres">
       <dgm:prSet presAssocID="{210E8A8A-0F49-41B7-99CD-2BE913E6113F}" presName="connectorText" presStyleLbl="sibTrans2D1" presStyleIdx="1" presStyleCnt="3"/>
       <dgm:spPr/>
+      <dgm:t>
+        <a:bodyPr/>
+        <a:lstStyle/>
+        <a:p>
+          <a:pPr latinLnBrk="1"/>
+          <a:endParaRPr lang="ko-KR" altLang="en-US"/>
+        </a:p>
+      </dgm:t>
     </dgm:pt>
     <dgm:pt modelId="{8B8E2553-49D5-4740-A3B2-D3E5571CA7C8}" type="pres">
       <dgm:prSet presAssocID="{75CB4F7F-A41A-43A5-B588-B4DF99329CCC}" presName="node" presStyleLbl="node1" presStyleIdx="2" presStyleCnt="3" custScaleX="72851" custScaleY="153205" custRadScaleRad="109023" custRadScaleInc="16004">
@@ -2877,42 +3061,58 @@
     <dgm:pt modelId="{D6274939-EE0E-4251-B8D3-B911EA4FA4AF}" type="pres">
       <dgm:prSet presAssocID="{580CB115-F874-427F-977F-A674FABA368D}" presName="sibTrans" presStyleLbl="sibTrans2D1" presStyleIdx="2" presStyleCnt="3"/>
       <dgm:spPr/>
+      <dgm:t>
+        <a:bodyPr/>
+        <a:lstStyle/>
+        <a:p>
+          <a:pPr latinLnBrk="1"/>
+          <a:endParaRPr lang="ko-KR" altLang="en-US"/>
+        </a:p>
+      </dgm:t>
     </dgm:pt>
     <dgm:pt modelId="{E3438151-FCD3-4CD3-AE86-64B72266E8CF}" type="pres">
       <dgm:prSet presAssocID="{580CB115-F874-427F-977F-A674FABA368D}" presName="connectorText" presStyleLbl="sibTrans2D1" presStyleIdx="2" presStyleCnt="3"/>
       <dgm:spPr/>
+      <dgm:t>
+        <a:bodyPr/>
+        <a:lstStyle/>
+        <a:p>
+          <a:pPr latinLnBrk="1"/>
+          <a:endParaRPr lang="ko-KR" altLang="en-US"/>
+        </a:p>
+      </dgm:t>
     </dgm:pt>
   </dgm:ptLst>
   <dgm:cxnLst>
+    <dgm:cxn modelId="{DD82DF43-9840-4527-A68C-3E5C2D84D4D6}" srcId="{A4A023B5-45BD-4A51-A7EA-D43DF7D91837}" destId="{7A0D5292-F975-4409-A002-5BE38924A9FE}" srcOrd="1" destOrd="0" parTransId="{99A2DD46-D9AA-4C48-8096-63CEB249CE13}" sibTransId="{210E8A8A-0F49-41B7-99CD-2BE913E6113F}"/>
+    <dgm:cxn modelId="{0F6AF30C-A918-4F0B-97D1-38AB72A93BA6}" srcId="{7A0D5292-F975-4409-A002-5BE38924A9FE}" destId="{B64121BE-2F3C-4693-9233-F0278425D880}" srcOrd="1" destOrd="0" parTransId="{CC5BDAB2-5F2F-45CA-AC10-7349CCB29105}" sibTransId="{1DB93ED1-ACF3-4814-83DB-5D360825EC02}"/>
+    <dgm:cxn modelId="{D03BFF9E-8169-4B83-B0ED-E10F967B7B1A}" type="presOf" srcId="{A4A023B5-45BD-4A51-A7EA-D43DF7D91837}" destId="{50267C70-63CD-4400-B704-463F9CEF2917}" srcOrd="0" destOrd="0" presId="urn:microsoft.com/office/officeart/2005/8/layout/cycle7"/>
+    <dgm:cxn modelId="{E7483D64-9953-4405-97F8-564CB4E41CB4}" type="presOf" srcId="{580CB115-F874-427F-977F-A674FABA368D}" destId="{E3438151-FCD3-4CD3-AE86-64B72266E8CF}" srcOrd="1" destOrd="0" presId="urn:microsoft.com/office/officeart/2005/8/layout/cycle7"/>
+    <dgm:cxn modelId="{53062B48-106B-44D6-A4B2-7770BE01BF85}" type="presOf" srcId="{B64121BE-2F3C-4693-9233-F0278425D880}" destId="{591CB5DE-E65C-44BC-B942-189A86F4B4EA}" srcOrd="0" destOrd="2" presId="urn:microsoft.com/office/officeart/2005/8/layout/cycle7"/>
+    <dgm:cxn modelId="{21346CBB-C197-4EE1-A273-C40DBF01E707}" type="presOf" srcId="{4EC21081-F4DD-4978-B0C2-E97FB82084E6}" destId="{8B8E2553-49D5-4740-A3B2-D3E5571CA7C8}" srcOrd="0" destOrd="1" presId="urn:microsoft.com/office/officeart/2005/8/layout/cycle7"/>
+    <dgm:cxn modelId="{3DB649F8-2672-47BE-ADC1-A667D03833CD}" type="presOf" srcId="{F0AF64CB-E4D3-4341-953B-F892BB485F8B}" destId="{99E446B0-8C3E-43BA-99F3-955F6FFB0995}" srcOrd="0" destOrd="1" presId="urn:microsoft.com/office/officeart/2005/8/layout/cycle7"/>
+    <dgm:cxn modelId="{06467FAF-A6C8-4052-8FB0-465B6DFE7008}" srcId="{87FB6C62-3F76-436E-BEAA-E06ED8C6EAA8}" destId="{3EBA5233-21D0-42FD-9BAC-B31B005A0C50}" srcOrd="1" destOrd="0" parTransId="{AB1950CB-983C-4069-B851-77BE2C3B1E7B}" sibTransId="{DBC500EB-23C6-4A68-8053-28CB69A6B0F7}"/>
+    <dgm:cxn modelId="{7E07EFEB-FACA-4FEB-99B2-10BD9C276D91}" type="presOf" srcId="{210E8A8A-0F49-41B7-99CD-2BE913E6113F}" destId="{C1352968-1869-462A-B37D-5F46AC2B0106}" srcOrd="0" destOrd="0" presId="urn:microsoft.com/office/officeart/2005/8/layout/cycle7"/>
+    <dgm:cxn modelId="{4EE4D809-1F46-4262-A258-0CB8CDA75990}" type="presOf" srcId="{4F8AE2FA-C6E0-4876-B279-2A3CD3EA07F8}" destId="{8B8E2553-49D5-4740-A3B2-D3E5571CA7C8}" srcOrd="0" destOrd="2" presId="urn:microsoft.com/office/officeart/2005/8/layout/cycle7"/>
+    <dgm:cxn modelId="{1D994C54-4E39-4109-A074-72CD0EEDD58C}" srcId="{75CB4F7F-A41A-43A5-B588-B4DF99329CCC}" destId="{45D90340-E641-4F78-B0E2-E61DCDDCC2AF}" srcOrd="2" destOrd="0" parTransId="{528EDF7A-50F8-43C5-8E10-57FE12325FEA}" sibTransId="{ED773521-ABD3-4FC1-B9C4-1438A2C1F552}"/>
+    <dgm:cxn modelId="{69E8FFEE-B75A-4A32-AFBF-0FD888C44D2A}" srcId="{75CB4F7F-A41A-43A5-B588-B4DF99329CCC}" destId="{4EC21081-F4DD-4978-B0C2-E97FB82084E6}" srcOrd="0" destOrd="0" parTransId="{55C27C87-9FC7-45E1-AEFF-00CC64194E4E}" sibTransId="{635B85D0-667B-4AC0-AF5A-E8C1C6A96D9B}"/>
+    <dgm:cxn modelId="{7EC9D23B-F4F7-4FA0-AE66-E893D7ACE611}" srcId="{A4A023B5-45BD-4A51-A7EA-D43DF7D91837}" destId="{75CB4F7F-A41A-43A5-B588-B4DF99329CCC}" srcOrd="2" destOrd="0" parTransId="{EF6F9DB6-F40C-4BB9-9E5F-8F0D1B7B7601}" sibTransId="{580CB115-F874-427F-977F-A674FABA368D}"/>
+    <dgm:cxn modelId="{DBA59BC5-0ADF-4769-8D77-4BA04A837D23}" srcId="{75CB4F7F-A41A-43A5-B588-B4DF99329CCC}" destId="{8FED5286-D527-4075-B0E5-F52F3F429194}" srcOrd="3" destOrd="0" parTransId="{D44574D8-B5B7-40D3-A170-A5F72F4B486D}" sibTransId="{3DFC5E51-9DF5-432C-9A80-C6594AF65001}"/>
+    <dgm:cxn modelId="{2FFF246F-63A3-4397-9086-11C15D59489A}" type="presOf" srcId="{34FEB4B4-EEA3-4062-BCCB-07CFD571267A}" destId="{58B953DD-4F00-4893-8082-F88306B20FF3}" srcOrd="0" destOrd="0" presId="urn:microsoft.com/office/officeart/2005/8/layout/cycle7"/>
+    <dgm:cxn modelId="{611C9E22-0A05-4182-8430-54EC29EE443E}" type="presOf" srcId="{7A0D5292-F975-4409-A002-5BE38924A9FE}" destId="{591CB5DE-E65C-44BC-B942-189A86F4B4EA}" srcOrd="0" destOrd="0" presId="urn:microsoft.com/office/officeart/2005/8/layout/cycle7"/>
+    <dgm:cxn modelId="{75779653-551A-4513-8F99-B7D7993F7A7A}" type="presOf" srcId="{8FED5286-D527-4075-B0E5-F52F3F429194}" destId="{8B8E2553-49D5-4740-A3B2-D3E5571CA7C8}" srcOrd="0" destOrd="4" presId="urn:microsoft.com/office/officeart/2005/8/layout/cycle7"/>
+    <dgm:cxn modelId="{2515E465-EB5C-459E-AAFE-1E6E161BB3CA}" type="presOf" srcId="{580CB115-F874-427F-977F-A674FABA368D}" destId="{D6274939-EE0E-4251-B8D3-B911EA4FA4AF}" srcOrd="0" destOrd="0" presId="urn:microsoft.com/office/officeart/2005/8/layout/cycle7"/>
+    <dgm:cxn modelId="{B45281D7-8055-4CA5-9F51-B8151D0880CB}" type="presOf" srcId="{3EBA5233-21D0-42FD-9BAC-B31B005A0C50}" destId="{99E446B0-8C3E-43BA-99F3-955F6FFB0995}" srcOrd="0" destOrd="2" presId="urn:microsoft.com/office/officeart/2005/8/layout/cycle7"/>
+    <dgm:cxn modelId="{CC6A7B4B-2E86-47AC-A905-46555861CE95}" type="presOf" srcId="{75CB4F7F-A41A-43A5-B588-B4DF99329CCC}" destId="{8B8E2553-49D5-4740-A3B2-D3E5571CA7C8}" srcOrd="0" destOrd="0" presId="urn:microsoft.com/office/officeart/2005/8/layout/cycle7"/>
+    <dgm:cxn modelId="{B2EDC80A-81C3-4889-850F-7C5195B29B81}" type="presOf" srcId="{87FB6C62-3F76-436E-BEAA-E06ED8C6EAA8}" destId="{99E446B0-8C3E-43BA-99F3-955F6FFB0995}" srcOrd="0" destOrd="0" presId="urn:microsoft.com/office/officeart/2005/8/layout/cycle7"/>
+    <dgm:cxn modelId="{38212361-FAD5-4879-AD15-8010917DA233}" srcId="{75CB4F7F-A41A-43A5-B588-B4DF99329CCC}" destId="{4F8AE2FA-C6E0-4876-B279-2A3CD3EA07F8}" srcOrd="1" destOrd="0" parTransId="{8C692D02-6D25-4CB2-B31F-744A3AF2C9A9}" sibTransId="{74EE698E-3E02-48F5-9D84-DB8414A31B84}"/>
+    <dgm:cxn modelId="{3FE6BDD9-3C42-409C-B421-F905B4977407}" type="presOf" srcId="{F6010C42-0B53-4660-8928-51F0026430D1}" destId="{591CB5DE-E65C-44BC-B942-189A86F4B4EA}" srcOrd="0" destOrd="1" presId="urn:microsoft.com/office/officeart/2005/8/layout/cycle7"/>
+    <dgm:cxn modelId="{370379F0-8778-4E1B-98BF-F86F26172A6A}" srcId="{7A0D5292-F975-4409-A002-5BE38924A9FE}" destId="{F6010C42-0B53-4660-8928-51F0026430D1}" srcOrd="0" destOrd="0" parTransId="{1313C70D-63C3-4D9E-B8D6-76FB38D80A5A}" sibTransId="{48FAB0F6-6672-4102-AF24-94E09757FFA9}"/>
+    <dgm:cxn modelId="{56FADBA1-0632-4277-ADAF-F8AC54D42A57}" type="presOf" srcId="{210E8A8A-0F49-41B7-99CD-2BE913E6113F}" destId="{B8FB7145-5D68-4CA1-B648-FA330AECD35D}" srcOrd="1" destOrd="0" presId="urn:microsoft.com/office/officeart/2005/8/layout/cycle7"/>
     <dgm:cxn modelId="{F7F76827-9823-4C49-94D3-E7462E656D89}" type="presOf" srcId="{45D90340-E641-4F78-B0E2-E61DCDDCC2AF}" destId="{8B8E2553-49D5-4740-A3B2-D3E5571CA7C8}" srcOrd="0" destOrd="3" presId="urn:microsoft.com/office/officeart/2005/8/layout/cycle7"/>
-    <dgm:cxn modelId="{3DB649F8-2672-47BE-ADC1-A667D03833CD}" type="presOf" srcId="{F0AF64CB-E4D3-4341-953B-F892BB485F8B}" destId="{99E446B0-8C3E-43BA-99F3-955F6FFB0995}" srcOrd="0" destOrd="1" presId="urn:microsoft.com/office/officeart/2005/8/layout/cycle7"/>
-    <dgm:cxn modelId="{370379F0-8778-4E1B-98BF-F86F26172A6A}" srcId="{7A0D5292-F975-4409-A002-5BE38924A9FE}" destId="{F6010C42-0B53-4660-8928-51F0026430D1}" srcOrd="0" destOrd="0" parTransId="{1313C70D-63C3-4D9E-B8D6-76FB38D80A5A}" sibTransId="{48FAB0F6-6672-4102-AF24-94E09757FFA9}"/>
-    <dgm:cxn modelId="{B45281D7-8055-4CA5-9F51-B8151D0880CB}" type="presOf" srcId="{3EBA5233-21D0-42FD-9BAC-B31B005A0C50}" destId="{99E446B0-8C3E-43BA-99F3-955F6FFB0995}" srcOrd="0" destOrd="2" presId="urn:microsoft.com/office/officeart/2005/8/layout/cycle7"/>
-    <dgm:cxn modelId="{0F6AF30C-A918-4F0B-97D1-38AB72A93BA6}" srcId="{7A0D5292-F975-4409-A002-5BE38924A9FE}" destId="{B64121BE-2F3C-4693-9233-F0278425D880}" srcOrd="1" destOrd="0" parTransId="{CC5BDAB2-5F2F-45CA-AC10-7349CCB29105}" sibTransId="{1DB93ED1-ACF3-4814-83DB-5D360825EC02}"/>
-    <dgm:cxn modelId="{06467FAF-A6C8-4052-8FB0-465B6DFE7008}" srcId="{87FB6C62-3F76-436E-BEAA-E06ED8C6EAA8}" destId="{3EBA5233-21D0-42FD-9BAC-B31B005A0C50}" srcOrd="1" destOrd="0" parTransId="{AB1950CB-983C-4069-B851-77BE2C3B1E7B}" sibTransId="{DBC500EB-23C6-4A68-8053-28CB69A6B0F7}"/>
-    <dgm:cxn modelId="{DD82DF43-9840-4527-A68C-3E5C2D84D4D6}" srcId="{A4A023B5-45BD-4A51-A7EA-D43DF7D91837}" destId="{7A0D5292-F975-4409-A002-5BE38924A9FE}" srcOrd="1" destOrd="0" parTransId="{99A2DD46-D9AA-4C48-8096-63CEB249CE13}" sibTransId="{210E8A8A-0F49-41B7-99CD-2BE913E6113F}"/>
-    <dgm:cxn modelId="{7E07EFEB-FACA-4FEB-99B2-10BD9C276D91}" type="presOf" srcId="{210E8A8A-0F49-41B7-99CD-2BE913E6113F}" destId="{C1352968-1869-462A-B37D-5F46AC2B0106}" srcOrd="0" destOrd="0" presId="urn:microsoft.com/office/officeart/2005/8/layout/cycle7"/>
-    <dgm:cxn modelId="{2515E465-EB5C-459E-AAFE-1E6E161BB3CA}" type="presOf" srcId="{580CB115-F874-427F-977F-A674FABA368D}" destId="{D6274939-EE0E-4251-B8D3-B911EA4FA4AF}" srcOrd="0" destOrd="0" presId="urn:microsoft.com/office/officeart/2005/8/layout/cycle7"/>
-    <dgm:cxn modelId="{B2EDC80A-81C3-4889-850F-7C5195B29B81}" type="presOf" srcId="{87FB6C62-3F76-436E-BEAA-E06ED8C6EAA8}" destId="{99E446B0-8C3E-43BA-99F3-955F6FFB0995}" srcOrd="0" destOrd="0" presId="urn:microsoft.com/office/officeart/2005/8/layout/cycle7"/>
-    <dgm:cxn modelId="{4EE4D809-1F46-4262-A258-0CB8CDA75990}" type="presOf" srcId="{4F8AE2FA-C6E0-4876-B279-2A3CD3EA07F8}" destId="{8B8E2553-49D5-4740-A3B2-D3E5571CA7C8}" srcOrd="0" destOrd="2" presId="urn:microsoft.com/office/officeart/2005/8/layout/cycle7"/>
-    <dgm:cxn modelId="{3FE6BDD9-3C42-409C-B421-F905B4977407}" type="presOf" srcId="{F6010C42-0B53-4660-8928-51F0026430D1}" destId="{591CB5DE-E65C-44BC-B942-189A86F4B4EA}" srcOrd="0" destOrd="1" presId="urn:microsoft.com/office/officeart/2005/8/layout/cycle7"/>
-    <dgm:cxn modelId="{75779653-551A-4513-8F99-B7D7993F7A7A}" type="presOf" srcId="{8FED5286-D527-4075-B0E5-F52F3F429194}" destId="{8B8E2553-49D5-4740-A3B2-D3E5571CA7C8}" srcOrd="0" destOrd="4" presId="urn:microsoft.com/office/officeart/2005/8/layout/cycle7"/>
-    <dgm:cxn modelId="{DBA59BC5-0ADF-4769-8D77-4BA04A837D23}" srcId="{75CB4F7F-A41A-43A5-B588-B4DF99329CCC}" destId="{8FED5286-D527-4075-B0E5-F52F3F429194}" srcOrd="3" destOrd="0" parTransId="{D44574D8-B5B7-40D3-A170-A5F72F4B486D}" sibTransId="{3DFC5E51-9DF5-432C-9A80-C6594AF65001}"/>
-    <dgm:cxn modelId="{38212361-FAD5-4879-AD15-8010917DA233}" srcId="{75CB4F7F-A41A-43A5-B588-B4DF99329CCC}" destId="{4F8AE2FA-C6E0-4876-B279-2A3CD3EA07F8}" srcOrd="1" destOrd="0" parTransId="{8C692D02-6D25-4CB2-B31F-744A3AF2C9A9}" sibTransId="{74EE698E-3E02-48F5-9D84-DB8414A31B84}"/>
-    <dgm:cxn modelId="{D03BFF9E-8169-4B83-B0ED-E10F967B7B1A}" type="presOf" srcId="{A4A023B5-45BD-4A51-A7EA-D43DF7D91837}" destId="{50267C70-63CD-4400-B704-463F9CEF2917}" srcOrd="0" destOrd="0" presId="urn:microsoft.com/office/officeart/2005/8/layout/cycle7"/>
-    <dgm:cxn modelId="{611C9E22-0A05-4182-8430-54EC29EE443E}" type="presOf" srcId="{7A0D5292-F975-4409-A002-5BE38924A9FE}" destId="{591CB5DE-E65C-44BC-B942-189A86F4B4EA}" srcOrd="0" destOrd="0" presId="urn:microsoft.com/office/officeart/2005/8/layout/cycle7"/>
-    <dgm:cxn modelId="{E7483D64-9953-4405-97F8-564CB4E41CB4}" type="presOf" srcId="{580CB115-F874-427F-977F-A674FABA368D}" destId="{E3438151-FCD3-4CD3-AE86-64B72266E8CF}" srcOrd="1" destOrd="0" presId="urn:microsoft.com/office/officeart/2005/8/layout/cycle7"/>
+    <dgm:cxn modelId="{A8685B47-9742-416F-8D13-B9AEA7618B6C}" srcId="{87FB6C62-3F76-436E-BEAA-E06ED8C6EAA8}" destId="{F0AF64CB-E4D3-4341-953B-F892BB485F8B}" srcOrd="0" destOrd="0" parTransId="{D53C657A-DFC5-4AFD-968D-0D096E4B8777}" sibTransId="{3BFE52B6-6608-49B3-9114-D827A5F92FAB}"/>
+    <dgm:cxn modelId="{0637090F-484E-4C9E-B78C-0D993762700A}" srcId="{A4A023B5-45BD-4A51-A7EA-D43DF7D91837}" destId="{87FB6C62-3F76-436E-BEAA-E06ED8C6EAA8}" srcOrd="0" destOrd="0" parTransId="{B4D43625-8D13-456E-B4CD-071BAF9C5904}" sibTransId="{34FEB4B4-EEA3-4062-BCCB-07CFD571267A}"/>
     <dgm:cxn modelId="{C294F6A0-2C2E-421E-9594-FAF891A125DE}" type="presOf" srcId="{34FEB4B4-EEA3-4062-BCCB-07CFD571267A}" destId="{415303C9-109B-4B70-B9D3-0FB172FBC08A}" srcOrd="1" destOrd="0" presId="urn:microsoft.com/office/officeart/2005/8/layout/cycle7"/>
-    <dgm:cxn modelId="{CC6A7B4B-2E86-47AC-A905-46555861CE95}" type="presOf" srcId="{75CB4F7F-A41A-43A5-B588-B4DF99329CCC}" destId="{8B8E2553-49D5-4740-A3B2-D3E5571CA7C8}" srcOrd="0" destOrd="0" presId="urn:microsoft.com/office/officeart/2005/8/layout/cycle7"/>
-    <dgm:cxn modelId="{7EC9D23B-F4F7-4FA0-AE66-E893D7ACE611}" srcId="{A4A023B5-45BD-4A51-A7EA-D43DF7D91837}" destId="{75CB4F7F-A41A-43A5-B588-B4DF99329CCC}" srcOrd="2" destOrd="0" parTransId="{EF6F9DB6-F40C-4BB9-9E5F-8F0D1B7B7601}" sibTransId="{580CB115-F874-427F-977F-A674FABA368D}"/>
-    <dgm:cxn modelId="{69E8FFEE-B75A-4A32-AFBF-0FD888C44D2A}" srcId="{75CB4F7F-A41A-43A5-B588-B4DF99329CCC}" destId="{4EC21081-F4DD-4978-B0C2-E97FB82084E6}" srcOrd="0" destOrd="0" parTransId="{55C27C87-9FC7-45E1-AEFF-00CC64194E4E}" sibTransId="{635B85D0-667B-4AC0-AF5A-E8C1C6A96D9B}"/>
-    <dgm:cxn modelId="{1D994C54-4E39-4109-A074-72CD0EEDD58C}" srcId="{75CB4F7F-A41A-43A5-B588-B4DF99329CCC}" destId="{45D90340-E641-4F78-B0E2-E61DCDDCC2AF}" srcOrd="2" destOrd="0" parTransId="{528EDF7A-50F8-43C5-8E10-57FE12325FEA}" sibTransId="{ED773521-ABD3-4FC1-B9C4-1438A2C1F552}"/>
-    <dgm:cxn modelId="{53062B48-106B-44D6-A4B2-7770BE01BF85}" type="presOf" srcId="{B64121BE-2F3C-4693-9233-F0278425D880}" destId="{591CB5DE-E65C-44BC-B942-189A86F4B4EA}" srcOrd="0" destOrd="2" presId="urn:microsoft.com/office/officeart/2005/8/layout/cycle7"/>
-    <dgm:cxn modelId="{0637090F-484E-4C9E-B78C-0D993762700A}" srcId="{A4A023B5-45BD-4A51-A7EA-D43DF7D91837}" destId="{87FB6C62-3F76-436E-BEAA-E06ED8C6EAA8}" srcOrd="0" destOrd="0" parTransId="{B4D43625-8D13-456E-B4CD-071BAF9C5904}" sibTransId="{34FEB4B4-EEA3-4062-BCCB-07CFD571267A}"/>
-    <dgm:cxn modelId="{2FFF246F-63A3-4397-9086-11C15D59489A}" type="presOf" srcId="{34FEB4B4-EEA3-4062-BCCB-07CFD571267A}" destId="{58B953DD-4F00-4893-8082-F88306B20FF3}" srcOrd="0" destOrd="0" presId="urn:microsoft.com/office/officeart/2005/8/layout/cycle7"/>
-    <dgm:cxn modelId="{A8685B47-9742-416F-8D13-B9AEA7618B6C}" srcId="{87FB6C62-3F76-436E-BEAA-E06ED8C6EAA8}" destId="{F0AF64CB-E4D3-4341-953B-F892BB485F8B}" srcOrd="0" destOrd="0" parTransId="{D53C657A-DFC5-4AFD-968D-0D096E4B8777}" sibTransId="{3BFE52B6-6608-49B3-9114-D827A5F92FAB}"/>
-    <dgm:cxn modelId="{56FADBA1-0632-4277-ADAF-F8AC54D42A57}" type="presOf" srcId="{210E8A8A-0F49-41B7-99CD-2BE913E6113F}" destId="{B8FB7145-5D68-4CA1-B648-FA330AECD35D}" srcOrd="1" destOrd="0" presId="urn:microsoft.com/office/officeart/2005/8/layout/cycle7"/>
-    <dgm:cxn modelId="{21346CBB-C197-4EE1-A273-C40DBF01E707}" type="presOf" srcId="{4EC21081-F4DD-4978-B0C2-E97FB82084E6}" destId="{8B8E2553-49D5-4740-A3B2-D3E5571CA7C8}" srcOrd="0" destOrd="1" presId="urn:microsoft.com/office/officeart/2005/8/layout/cycle7"/>
     <dgm:cxn modelId="{A28D65EF-DFA6-46F3-9D79-F06B256E99A4}" type="presParOf" srcId="{50267C70-63CD-4400-B704-463F9CEF2917}" destId="{99E446B0-8C3E-43BA-99F3-955F6FFB0995}" srcOrd="0" destOrd="0" presId="urn:microsoft.com/office/officeart/2005/8/layout/cycle7"/>
     <dgm:cxn modelId="{DA3B1265-6603-457F-AA06-0DB0D04AA9EB}" type="presParOf" srcId="{50267C70-63CD-4400-B704-463F9CEF2917}" destId="{58B953DD-4F00-4893-8082-F88306B20FF3}" srcOrd="1" destOrd="0" presId="urn:microsoft.com/office/officeart/2005/8/layout/cycle7"/>
     <dgm:cxn modelId="{D141ABCC-0660-4D28-AADC-36BFD63EE1C0}" type="presParOf" srcId="{58B953DD-4F00-4893-8082-F88306B20FF3}" destId="{415303C9-109B-4B70-B9D3-0FB172FBC08A}" srcOrd="0" destOrd="0" presId="urn:microsoft.com/office/officeart/2005/8/layout/cycle7"/>
@@ -7518,7 +7718,7 @@
           <a:p>
             <a:fld id="{9B60BC19-843F-4930-A60B-6C7118691B00}" type="datetimeFigureOut">
               <a:rPr lang="ko-KR" altLang="en-US" smtClean="0"/>
-              <a:t>2020-09-08</a:t>
+              <a:t>2020-09-09</a:t>
             </a:fld>
             <a:endParaRPr lang="ko-KR" altLang="en-US"/>
           </a:p>
@@ -7688,7 +7888,7 @@
           <a:p>
             <a:fld id="{9B60BC19-843F-4930-A60B-6C7118691B00}" type="datetimeFigureOut">
               <a:rPr lang="ko-KR" altLang="en-US" smtClean="0"/>
-              <a:t>2020-09-08</a:t>
+              <a:t>2020-09-09</a:t>
             </a:fld>
             <a:endParaRPr lang="ko-KR" altLang="en-US"/>
           </a:p>
@@ -7868,7 +8068,7 @@
           <a:p>
             <a:fld id="{9B60BC19-843F-4930-A60B-6C7118691B00}" type="datetimeFigureOut">
               <a:rPr lang="ko-KR" altLang="en-US" smtClean="0"/>
-              <a:t>2020-09-08</a:t>
+              <a:t>2020-09-09</a:t>
             </a:fld>
             <a:endParaRPr lang="ko-KR" altLang="en-US"/>
           </a:p>
@@ -8038,7 +8238,7 @@
           <a:p>
             <a:fld id="{9B60BC19-843F-4930-A60B-6C7118691B00}" type="datetimeFigureOut">
               <a:rPr lang="ko-KR" altLang="en-US" smtClean="0"/>
-              <a:t>2020-09-08</a:t>
+              <a:t>2020-09-09</a:t>
             </a:fld>
             <a:endParaRPr lang="ko-KR" altLang="en-US"/>
           </a:p>
@@ -8284,7 +8484,7 @@
           <a:p>
             <a:fld id="{9B60BC19-843F-4930-A60B-6C7118691B00}" type="datetimeFigureOut">
               <a:rPr lang="ko-KR" altLang="en-US" smtClean="0"/>
-              <a:t>2020-09-08</a:t>
+              <a:t>2020-09-09</a:t>
             </a:fld>
             <a:endParaRPr lang="ko-KR" altLang="en-US"/>
           </a:p>
@@ -8572,7 +8772,7 @@
           <a:p>
             <a:fld id="{9B60BC19-843F-4930-A60B-6C7118691B00}" type="datetimeFigureOut">
               <a:rPr lang="ko-KR" altLang="en-US" smtClean="0"/>
-              <a:t>2020-09-08</a:t>
+              <a:t>2020-09-09</a:t>
             </a:fld>
             <a:endParaRPr lang="ko-KR" altLang="en-US"/>
           </a:p>
@@ -8994,7 +9194,7 @@
           <a:p>
             <a:fld id="{9B60BC19-843F-4930-A60B-6C7118691B00}" type="datetimeFigureOut">
               <a:rPr lang="ko-KR" altLang="en-US" smtClean="0"/>
-              <a:t>2020-09-08</a:t>
+              <a:t>2020-09-09</a:t>
             </a:fld>
             <a:endParaRPr lang="ko-KR" altLang="en-US"/>
           </a:p>
@@ -9112,7 +9312,7 @@
           <a:p>
             <a:fld id="{9B60BC19-843F-4930-A60B-6C7118691B00}" type="datetimeFigureOut">
               <a:rPr lang="ko-KR" altLang="en-US" smtClean="0"/>
-              <a:t>2020-09-08</a:t>
+              <a:t>2020-09-09</a:t>
             </a:fld>
             <a:endParaRPr lang="ko-KR" altLang="en-US"/>
           </a:p>
@@ -9207,7 +9407,7 @@
           <a:p>
             <a:fld id="{9B60BC19-843F-4930-A60B-6C7118691B00}" type="datetimeFigureOut">
               <a:rPr lang="ko-KR" altLang="en-US" smtClean="0"/>
-              <a:t>2020-09-08</a:t>
+              <a:t>2020-09-09</a:t>
             </a:fld>
             <a:endParaRPr lang="ko-KR" altLang="en-US"/>
           </a:p>
@@ -9484,7 +9684,7 @@
           <a:p>
             <a:fld id="{9B60BC19-843F-4930-A60B-6C7118691B00}" type="datetimeFigureOut">
               <a:rPr lang="ko-KR" altLang="en-US" smtClean="0"/>
-              <a:t>2020-09-08</a:t>
+              <a:t>2020-09-09</a:t>
             </a:fld>
             <a:endParaRPr lang="ko-KR" altLang="en-US"/>
           </a:p>
@@ -9737,7 +9937,7 @@
           <a:p>
             <a:fld id="{9B60BC19-843F-4930-A60B-6C7118691B00}" type="datetimeFigureOut">
               <a:rPr lang="ko-KR" altLang="en-US" smtClean="0"/>
-              <a:t>2020-09-08</a:t>
+              <a:t>2020-09-09</a:t>
             </a:fld>
             <a:endParaRPr lang="ko-KR" altLang="en-US"/>
           </a:p>
@@ -9950,7 +10150,7 @@
           <a:p>
             <a:fld id="{9B60BC19-843F-4930-A60B-6C7118691B00}" type="datetimeFigureOut">
               <a:rPr lang="ko-KR" altLang="en-US" smtClean="0"/>
-              <a:t>2020-09-08</a:t>
+              <a:t>2020-09-09</a:t>
             </a:fld>
             <a:endParaRPr lang="ko-KR" altLang="en-US"/>
           </a:p>
